--- a/Weekly/汇报/O2E-TU-2_汇报_0426.pptx
+++ b/Weekly/汇报/O2E-TU-2_汇报_0426.pptx
@@ -5,25 +5,25 @@
     <p:sldMasterId id="2147483648" r:id="rId1"/>
   </p:sldMasterIdLst>
   <p:notesMasterIdLst>
-    <p:notesMasterId r:id="rId17"/>
+    <p:notesMasterId r:id="rId18"/>
   </p:notesMasterIdLst>
   <p:sldIdLst>
-    <p:sldId id="256" r:id="rId3"/>
-    <p:sldId id="258" r:id="rId4"/>
-    <p:sldId id="259" r:id="rId5"/>
-    <p:sldId id="385" r:id="rId6"/>
-    <p:sldId id="369" r:id="rId7"/>
-    <p:sldId id="371" r:id="rId8"/>
-    <p:sldId id="370" r:id="rId9"/>
-    <p:sldId id="373" r:id="rId10"/>
-    <p:sldId id="372" r:id="rId11"/>
-    <p:sldId id="386" r:id="rId12"/>
-    <p:sldId id="387" r:id="rId13"/>
-    <p:sldId id="274" r:id="rId14"/>
-    <p:sldId id="322" r:id="rId15"/>
-    <p:sldId id="375" r:id="rId16"/>
-    <p:sldId id="323" r:id="rId18"/>
-    <p:sldId id="324" r:id="rId19"/>
+    <p:sldId id="256" r:id="rId2"/>
+    <p:sldId id="258" r:id="rId3"/>
+    <p:sldId id="259" r:id="rId4"/>
+    <p:sldId id="385" r:id="rId5"/>
+    <p:sldId id="369" r:id="rId6"/>
+    <p:sldId id="371" r:id="rId7"/>
+    <p:sldId id="370" r:id="rId8"/>
+    <p:sldId id="373" r:id="rId9"/>
+    <p:sldId id="372" r:id="rId10"/>
+    <p:sldId id="386" r:id="rId11"/>
+    <p:sldId id="387" r:id="rId12"/>
+    <p:sldId id="274" r:id="rId13"/>
+    <p:sldId id="322" r:id="rId14"/>
+    <p:sldId id="375" r:id="rId15"/>
+    <p:sldId id="323" r:id="rId16"/>
+    <p:sldId id="324" r:id="rId17"/>
   </p:sldIdLst>
   <p:sldSz cx="12192000" cy="6858000"/>
   <p:notesSz cx="6858000" cy="9144000"/>
@@ -122,6 +122,11 @@
       </a:defRPr>
     </a:lvl9pPr>
   </p:defaultTextStyle>
+  <p:extLst>
+    <p:ext uri="{EFAFB233-063F-42B5-8137-9DF3F51BA10A}">
+      <p15:sldGuideLst xmlns:p15="http://schemas.microsoft.com/office/powerpoint/2012/main"/>
+    </p:ext>
+  </p:extLst>
 </p:presentation>
 </file>
 
@@ -207,6 +212,7 @@
           <a:p>
             <a:fld id="{D2A48B96-639E-45A3-A0BA-2464DFDB1FAA}" type="datetimeFigureOut">
               <a:rPr lang="zh-CN" altLang="en-US" smtClean="0"/>
+              <a:t>2022/6/7</a:t>
             </a:fld>
             <a:endParaRPr lang="zh-CN" altLang="en-US"/>
           </a:p>
@@ -270,42 +276,37 @@
           <a:p>
             <a:pPr lvl="0"/>
             <a:r>
-              <a:rPr lang="zh-CN" altLang="en-US" smtClean="0"/>
+              <a:rPr lang="zh-CN" altLang="en-US"/>
               <a:t>单击此处编辑母版文本样式</a:t>
             </a:r>
-            <a:endParaRPr lang="zh-CN" altLang="en-US" smtClean="0"/>
           </a:p>
           <a:p>
             <a:pPr lvl="1"/>
             <a:r>
-              <a:rPr lang="zh-CN" altLang="en-US" smtClean="0"/>
+              <a:rPr lang="zh-CN" altLang="en-US"/>
               <a:t>第二级</a:t>
             </a:r>
-            <a:endParaRPr lang="zh-CN" altLang="en-US" smtClean="0"/>
           </a:p>
           <a:p>
             <a:pPr lvl="2"/>
             <a:r>
-              <a:rPr lang="zh-CN" altLang="en-US" smtClean="0"/>
+              <a:rPr lang="zh-CN" altLang="en-US"/>
               <a:t>第三级</a:t>
             </a:r>
-            <a:endParaRPr lang="zh-CN" altLang="en-US" smtClean="0"/>
           </a:p>
           <a:p>
             <a:pPr lvl="3"/>
             <a:r>
-              <a:rPr lang="zh-CN" altLang="en-US" smtClean="0"/>
+              <a:rPr lang="zh-CN" altLang="en-US"/>
               <a:t>第四级</a:t>
             </a:r>
-            <a:endParaRPr lang="zh-CN" altLang="en-US" smtClean="0"/>
           </a:p>
           <a:p>
             <a:pPr lvl="4"/>
             <a:r>
-              <a:rPr lang="zh-CN" altLang="en-US" smtClean="0"/>
+              <a:rPr lang="zh-CN" altLang="en-US"/>
               <a:t>第五级</a:t>
             </a:r>
-            <a:endParaRPr lang="zh-CN" altLang="en-US"/>
           </a:p>
         </p:txBody>
       </p:sp>
@@ -369,6 +370,7 @@
           <a:p>
             <a:fld id="{A6837353-30EB-4A48-80EB-173D804AEFBD}" type="slidenum">
               <a:rPr lang="zh-CN" altLang="en-US" smtClean="0"/>
+              <a:t>‹#›</a:t>
             </a:fld>
             <a:endParaRPr lang="zh-CN" altLang="en-US"/>
           </a:p>
@@ -481,11 +483,20 @@
         <p:cNvGrpSpPr/>
         <p:nvPr/>
       </p:nvGrpSpPr>
-      <p:grpSpPr/>
+      <p:grpSpPr>
+        <a:xfrm>
+          <a:off x="0" y="0"/>
+          <a:ext cx="0" cy="0"/>
+          <a:chOff x="0" y="0"/>
+          <a:chExt cx="0" cy="0"/>
+        </a:xfrm>
+      </p:grpSpPr>
       <p:sp>
         <p:nvSpPr>
           <p:cNvPr id="2" name="幻灯片图像占位符 1"/>
-          <p:cNvSpPr/>
+          <p:cNvSpPr>
+            <a:spLocks noGrp="1" noRot="1" noChangeAspect="1"/>
+          </p:cNvSpPr>
           <p:nvPr>
             <p:ph type="sldImg" idx="2"/>
           </p:nvPr>
@@ -495,7 +506,9 @@
       <p:sp>
         <p:nvSpPr>
           <p:cNvPr id="3" name="文本占位符 2"/>
-          <p:cNvSpPr/>
+          <p:cNvSpPr>
+            <a:spLocks noGrp="1"/>
+          </p:cNvSpPr>
           <p:nvPr>
             <p:ph type="body" idx="3"/>
           </p:nvPr>
@@ -503,6 +516,7 @@
         <p:spPr/>
         <p:txBody>
           <a:bodyPr/>
+          <a:lstStyle/>
           <a:p>
             <a:endParaRPr lang="zh-CN" altLang="en-US"/>
           </a:p>
@@ -561,7 +575,6 @@
               <a:rPr lang="zh-CN" altLang="en-US"/>
               <a:t>单击此处编辑母版标题样式</a:t>
             </a:r>
-            <a:endParaRPr lang="zh-CN" altLang="en-US"/>
           </a:p>
         </p:txBody>
       </p:sp>
@@ -626,7 +639,6 @@
               <a:rPr lang="zh-CN" altLang="en-US"/>
               <a:t>单击此处编辑母版副标题样式</a:t>
             </a:r>
-            <a:endParaRPr lang="zh-CN" altLang="en-US"/>
           </a:p>
         </p:txBody>
       </p:sp>
@@ -647,6 +659,7 @@
           <a:p>
             <a:fld id="{D997B5FA-0921-464F-AAE1-844C04324D75}" type="datetimeFigureOut">
               <a:rPr lang="zh-CN" altLang="en-US" smtClean="0"/>
+              <a:t>2022/6/7</a:t>
             </a:fld>
             <a:endParaRPr lang="zh-CN" altLang="en-US"/>
           </a:p>
@@ -688,6 +701,7 @@
           <a:p>
             <a:fld id="{565CE74E-AB26-4998-AD42-012C4C1AD076}" type="slidenum">
               <a:rPr lang="zh-CN" altLang="en-US" smtClean="0"/>
+              <a:t>‹#›</a:t>
             </a:fld>
             <a:endParaRPr lang="zh-CN" altLang="en-US"/>
           </a:p>
@@ -737,7 +751,6 @@
               <a:rPr lang="zh-CN" altLang="en-US"/>
               <a:t>单击此处编辑母版标题样式</a:t>
             </a:r>
-            <a:endParaRPr lang="zh-CN" altLang="en-US"/>
           </a:p>
         </p:txBody>
       </p:sp>
@@ -761,7 +774,6 @@
               <a:rPr lang="zh-CN" altLang="en-US"/>
               <a:t>单击此处编辑母版文本样式</a:t>
             </a:r>
-            <a:endParaRPr lang="zh-CN" altLang="en-US"/>
           </a:p>
           <a:p>
             <a:pPr lvl="1"/>
@@ -769,7 +781,6 @@
               <a:rPr lang="zh-CN" altLang="en-US"/>
               <a:t>第二级</a:t>
             </a:r>
-            <a:endParaRPr lang="zh-CN" altLang="en-US"/>
           </a:p>
           <a:p>
             <a:pPr lvl="2"/>
@@ -777,7 +788,6 @@
               <a:rPr lang="zh-CN" altLang="en-US"/>
               <a:t>第三级</a:t>
             </a:r>
-            <a:endParaRPr lang="zh-CN" altLang="en-US"/>
           </a:p>
           <a:p>
             <a:pPr lvl="3"/>
@@ -785,7 +795,6 @@
               <a:rPr lang="zh-CN" altLang="en-US"/>
               <a:t>第四级</a:t>
             </a:r>
-            <a:endParaRPr lang="zh-CN" altLang="en-US"/>
           </a:p>
           <a:p>
             <a:pPr lvl="4"/>
@@ -793,7 +802,6 @@
               <a:rPr lang="zh-CN" altLang="en-US"/>
               <a:t>第五级</a:t>
             </a:r>
-            <a:endParaRPr lang="zh-CN" altLang="en-US"/>
           </a:p>
         </p:txBody>
       </p:sp>
@@ -814,6 +822,7 @@
           <a:p>
             <a:fld id="{D997B5FA-0921-464F-AAE1-844C04324D75}" type="datetimeFigureOut">
               <a:rPr lang="zh-CN" altLang="en-US" smtClean="0"/>
+              <a:t>2022/6/7</a:t>
             </a:fld>
             <a:endParaRPr lang="zh-CN" altLang="en-US"/>
           </a:p>
@@ -855,6 +864,7 @@
           <a:p>
             <a:fld id="{565CE74E-AB26-4998-AD42-012C4C1AD076}" type="slidenum">
               <a:rPr lang="zh-CN" altLang="en-US" smtClean="0"/>
+              <a:t>‹#›</a:t>
             </a:fld>
             <a:endParaRPr lang="zh-CN" altLang="en-US"/>
           </a:p>
@@ -909,7 +919,6 @@
               <a:rPr lang="zh-CN" altLang="en-US"/>
               <a:t>单击此处编辑母版标题样式</a:t>
             </a:r>
-            <a:endParaRPr lang="zh-CN" altLang="en-US"/>
           </a:p>
         </p:txBody>
       </p:sp>
@@ -938,7 +947,6 @@
               <a:rPr lang="zh-CN" altLang="en-US"/>
               <a:t>单击此处编辑母版文本样式</a:t>
             </a:r>
-            <a:endParaRPr lang="zh-CN" altLang="en-US"/>
           </a:p>
           <a:p>
             <a:pPr lvl="1"/>
@@ -946,7 +954,6 @@
               <a:rPr lang="zh-CN" altLang="en-US"/>
               <a:t>第二级</a:t>
             </a:r>
-            <a:endParaRPr lang="zh-CN" altLang="en-US"/>
           </a:p>
           <a:p>
             <a:pPr lvl="2"/>
@@ -954,7 +961,6 @@
               <a:rPr lang="zh-CN" altLang="en-US"/>
               <a:t>第三级</a:t>
             </a:r>
-            <a:endParaRPr lang="zh-CN" altLang="en-US"/>
           </a:p>
           <a:p>
             <a:pPr lvl="3"/>
@@ -962,7 +968,6 @@
               <a:rPr lang="zh-CN" altLang="en-US"/>
               <a:t>第四级</a:t>
             </a:r>
-            <a:endParaRPr lang="zh-CN" altLang="en-US"/>
           </a:p>
           <a:p>
             <a:pPr lvl="4"/>
@@ -970,7 +975,6 @@
               <a:rPr lang="zh-CN" altLang="en-US"/>
               <a:t>第五级</a:t>
             </a:r>
-            <a:endParaRPr lang="zh-CN" altLang="en-US"/>
           </a:p>
         </p:txBody>
       </p:sp>
@@ -991,6 +995,7 @@
           <a:p>
             <a:fld id="{D997B5FA-0921-464F-AAE1-844C04324D75}" type="datetimeFigureOut">
               <a:rPr lang="zh-CN" altLang="en-US" smtClean="0"/>
+              <a:t>2022/6/7</a:t>
             </a:fld>
             <a:endParaRPr lang="zh-CN" altLang="en-US"/>
           </a:p>
@@ -1032,6 +1037,7 @@
           <a:p>
             <a:fld id="{565CE74E-AB26-4998-AD42-012C4C1AD076}" type="slidenum">
               <a:rPr lang="zh-CN" altLang="en-US" smtClean="0"/>
+              <a:t>‹#›</a:t>
             </a:fld>
             <a:endParaRPr lang="zh-CN" altLang="en-US"/>
           </a:p>
@@ -1081,7 +1087,6 @@
               <a:rPr lang="zh-CN" altLang="en-US"/>
               <a:t>单击此处编辑母版标题样式</a:t>
             </a:r>
-            <a:endParaRPr lang="zh-CN" altLang="en-US"/>
           </a:p>
         </p:txBody>
       </p:sp>
@@ -1105,7 +1110,6 @@
               <a:rPr lang="zh-CN" altLang="en-US"/>
               <a:t>单击此处编辑母版文本样式</a:t>
             </a:r>
-            <a:endParaRPr lang="zh-CN" altLang="en-US"/>
           </a:p>
           <a:p>
             <a:pPr lvl="1"/>
@@ -1113,7 +1117,6 @@
               <a:rPr lang="zh-CN" altLang="en-US"/>
               <a:t>第二级</a:t>
             </a:r>
-            <a:endParaRPr lang="zh-CN" altLang="en-US"/>
           </a:p>
           <a:p>
             <a:pPr lvl="2"/>
@@ -1121,7 +1124,6 @@
               <a:rPr lang="zh-CN" altLang="en-US"/>
               <a:t>第三级</a:t>
             </a:r>
-            <a:endParaRPr lang="zh-CN" altLang="en-US"/>
           </a:p>
           <a:p>
             <a:pPr lvl="3"/>
@@ -1129,7 +1131,6 @@
               <a:rPr lang="zh-CN" altLang="en-US"/>
               <a:t>第四级</a:t>
             </a:r>
-            <a:endParaRPr lang="zh-CN" altLang="en-US"/>
           </a:p>
           <a:p>
             <a:pPr lvl="4"/>
@@ -1137,7 +1138,6 @@
               <a:rPr lang="zh-CN" altLang="en-US"/>
               <a:t>第五级</a:t>
             </a:r>
-            <a:endParaRPr lang="zh-CN" altLang="en-US"/>
           </a:p>
         </p:txBody>
       </p:sp>
@@ -1158,6 +1158,7 @@
           <a:p>
             <a:fld id="{D997B5FA-0921-464F-AAE1-844C04324D75}" type="datetimeFigureOut">
               <a:rPr lang="zh-CN" altLang="en-US" smtClean="0"/>
+              <a:t>2022/6/7</a:t>
             </a:fld>
             <a:endParaRPr lang="zh-CN" altLang="en-US"/>
           </a:p>
@@ -1199,6 +1200,7 @@
           <a:p>
             <a:fld id="{565CE74E-AB26-4998-AD42-012C4C1AD076}" type="slidenum">
               <a:rPr lang="zh-CN" altLang="en-US" smtClean="0"/>
+              <a:t>‹#›</a:t>
             </a:fld>
             <a:endParaRPr lang="zh-CN" altLang="en-US"/>
           </a:p>
@@ -1257,7 +1259,6 @@
               <a:rPr lang="zh-CN" altLang="en-US"/>
               <a:t>单击此处编辑母版标题样式</a:t>
             </a:r>
-            <a:endParaRPr lang="zh-CN" altLang="en-US"/>
           </a:p>
         </p:txBody>
       </p:sp>
@@ -1377,7 +1378,6 @@
               <a:rPr lang="zh-CN" altLang="en-US"/>
               <a:t>单击此处编辑母版文本样式</a:t>
             </a:r>
-            <a:endParaRPr lang="zh-CN" altLang="en-US"/>
           </a:p>
         </p:txBody>
       </p:sp>
@@ -1398,6 +1398,7 @@
           <a:p>
             <a:fld id="{D997B5FA-0921-464F-AAE1-844C04324D75}" type="datetimeFigureOut">
               <a:rPr lang="zh-CN" altLang="en-US" smtClean="0"/>
+              <a:t>2022/6/7</a:t>
             </a:fld>
             <a:endParaRPr lang="zh-CN" altLang="en-US"/>
           </a:p>
@@ -1439,6 +1440,7 @@
           <a:p>
             <a:fld id="{565CE74E-AB26-4998-AD42-012C4C1AD076}" type="slidenum">
               <a:rPr lang="zh-CN" altLang="en-US" smtClean="0"/>
+              <a:t>‹#›</a:t>
             </a:fld>
             <a:endParaRPr lang="zh-CN" altLang="en-US"/>
           </a:p>
@@ -1488,7 +1490,6 @@
               <a:rPr lang="zh-CN" altLang="en-US"/>
               <a:t>单击此处编辑母版标题样式</a:t>
             </a:r>
-            <a:endParaRPr lang="zh-CN" altLang="en-US"/>
           </a:p>
         </p:txBody>
       </p:sp>
@@ -1517,7 +1518,6 @@
               <a:rPr lang="zh-CN" altLang="en-US"/>
               <a:t>单击此处编辑母版文本样式</a:t>
             </a:r>
-            <a:endParaRPr lang="zh-CN" altLang="en-US"/>
           </a:p>
           <a:p>
             <a:pPr lvl="1"/>
@@ -1525,7 +1525,6 @@
               <a:rPr lang="zh-CN" altLang="en-US"/>
               <a:t>第二级</a:t>
             </a:r>
-            <a:endParaRPr lang="zh-CN" altLang="en-US"/>
           </a:p>
           <a:p>
             <a:pPr lvl="2"/>
@@ -1533,7 +1532,6 @@
               <a:rPr lang="zh-CN" altLang="en-US"/>
               <a:t>第三级</a:t>
             </a:r>
-            <a:endParaRPr lang="zh-CN" altLang="en-US"/>
           </a:p>
           <a:p>
             <a:pPr lvl="3"/>
@@ -1541,7 +1539,6 @@
               <a:rPr lang="zh-CN" altLang="en-US"/>
               <a:t>第四级</a:t>
             </a:r>
-            <a:endParaRPr lang="zh-CN" altLang="en-US"/>
           </a:p>
           <a:p>
             <a:pPr lvl="4"/>
@@ -1549,7 +1546,6 @@
               <a:rPr lang="zh-CN" altLang="en-US"/>
               <a:t>第五级</a:t>
             </a:r>
-            <a:endParaRPr lang="zh-CN" altLang="en-US"/>
           </a:p>
         </p:txBody>
       </p:sp>
@@ -1578,7 +1574,6 @@
               <a:rPr lang="zh-CN" altLang="en-US"/>
               <a:t>单击此处编辑母版文本样式</a:t>
             </a:r>
-            <a:endParaRPr lang="zh-CN" altLang="en-US"/>
           </a:p>
           <a:p>
             <a:pPr lvl="1"/>
@@ -1586,7 +1581,6 @@
               <a:rPr lang="zh-CN" altLang="en-US"/>
               <a:t>第二级</a:t>
             </a:r>
-            <a:endParaRPr lang="zh-CN" altLang="en-US"/>
           </a:p>
           <a:p>
             <a:pPr lvl="2"/>
@@ -1594,7 +1588,6 @@
               <a:rPr lang="zh-CN" altLang="en-US"/>
               <a:t>第三级</a:t>
             </a:r>
-            <a:endParaRPr lang="zh-CN" altLang="en-US"/>
           </a:p>
           <a:p>
             <a:pPr lvl="3"/>
@@ -1602,7 +1595,6 @@
               <a:rPr lang="zh-CN" altLang="en-US"/>
               <a:t>第四级</a:t>
             </a:r>
-            <a:endParaRPr lang="zh-CN" altLang="en-US"/>
           </a:p>
           <a:p>
             <a:pPr lvl="4"/>
@@ -1610,7 +1602,6 @@
               <a:rPr lang="zh-CN" altLang="en-US"/>
               <a:t>第五级</a:t>
             </a:r>
-            <a:endParaRPr lang="zh-CN" altLang="en-US"/>
           </a:p>
         </p:txBody>
       </p:sp>
@@ -1631,6 +1622,7 @@
           <a:p>
             <a:fld id="{D997B5FA-0921-464F-AAE1-844C04324D75}" type="datetimeFigureOut">
               <a:rPr lang="zh-CN" altLang="en-US" smtClean="0"/>
+              <a:t>2022/6/7</a:t>
             </a:fld>
             <a:endParaRPr lang="zh-CN" altLang="en-US"/>
           </a:p>
@@ -1672,6 +1664,7 @@
           <a:p>
             <a:fld id="{565CE74E-AB26-4998-AD42-012C4C1AD076}" type="slidenum">
               <a:rPr lang="zh-CN" altLang="en-US" smtClean="0"/>
+              <a:t>‹#›</a:t>
             </a:fld>
             <a:endParaRPr lang="zh-CN" altLang="en-US"/>
           </a:p>
@@ -1726,7 +1719,6 @@
               <a:rPr lang="zh-CN" altLang="en-US"/>
               <a:t>单击此处编辑母版标题样式</a:t>
             </a:r>
-            <a:endParaRPr lang="zh-CN" altLang="en-US"/>
           </a:p>
         </p:txBody>
       </p:sp>
@@ -1792,7 +1784,6 @@
               <a:rPr lang="zh-CN" altLang="en-US"/>
               <a:t>单击此处编辑母版文本样式</a:t>
             </a:r>
-            <a:endParaRPr lang="zh-CN" altLang="en-US"/>
           </a:p>
         </p:txBody>
       </p:sp>
@@ -1821,7 +1812,6 @@
               <a:rPr lang="zh-CN" altLang="en-US"/>
               <a:t>单击此处编辑母版文本样式</a:t>
             </a:r>
-            <a:endParaRPr lang="zh-CN" altLang="en-US"/>
           </a:p>
           <a:p>
             <a:pPr lvl="1"/>
@@ -1829,7 +1819,6 @@
               <a:rPr lang="zh-CN" altLang="en-US"/>
               <a:t>第二级</a:t>
             </a:r>
-            <a:endParaRPr lang="zh-CN" altLang="en-US"/>
           </a:p>
           <a:p>
             <a:pPr lvl="2"/>
@@ -1837,7 +1826,6 @@
               <a:rPr lang="zh-CN" altLang="en-US"/>
               <a:t>第三级</a:t>
             </a:r>
-            <a:endParaRPr lang="zh-CN" altLang="en-US"/>
           </a:p>
           <a:p>
             <a:pPr lvl="3"/>
@@ -1845,7 +1833,6 @@
               <a:rPr lang="zh-CN" altLang="en-US"/>
               <a:t>第四级</a:t>
             </a:r>
-            <a:endParaRPr lang="zh-CN" altLang="en-US"/>
           </a:p>
           <a:p>
             <a:pPr lvl="4"/>
@@ -1853,7 +1840,6 @@
               <a:rPr lang="zh-CN" altLang="en-US"/>
               <a:t>第五级</a:t>
             </a:r>
-            <a:endParaRPr lang="zh-CN" altLang="en-US"/>
           </a:p>
         </p:txBody>
       </p:sp>
@@ -1919,7 +1905,6 @@
               <a:rPr lang="zh-CN" altLang="en-US"/>
               <a:t>单击此处编辑母版文本样式</a:t>
             </a:r>
-            <a:endParaRPr lang="zh-CN" altLang="en-US"/>
           </a:p>
         </p:txBody>
       </p:sp>
@@ -1948,7 +1933,6 @@
               <a:rPr lang="zh-CN" altLang="en-US"/>
               <a:t>单击此处编辑母版文本样式</a:t>
             </a:r>
-            <a:endParaRPr lang="zh-CN" altLang="en-US"/>
           </a:p>
           <a:p>
             <a:pPr lvl="1"/>
@@ -1956,7 +1940,6 @@
               <a:rPr lang="zh-CN" altLang="en-US"/>
               <a:t>第二级</a:t>
             </a:r>
-            <a:endParaRPr lang="zh-CN" altLang="en-US"/>
           </a:p>
           <a:p>
             <a:pPr lvl="2"/>
@@ -1964,7 +1947,6 @@
               <a:rPr lang="zh-CN" altLang="en-US"/>
               <a:t>第三级</a:t>
             </a:r>
-            <a:endParaRPr lang="zh-CN" altLang="en-US"/>
           </a:p>
           <a:p>
             <a:pPr lvl="3"/>
@@ -1972,7 +1954,6 @@
               <a:rPr lang="zh-CN" altLang="en-US"/>
               <a:t>第四级</a:t>
             </a:r>
-            <a:endParaRPr lang="zh-CN" altLang="en-US"/>
           </a:p>
           <a:p>
             <a:pPr lvl="4"/>
@@ -1980,7 +1961,6 @@
               <a:rPr lang="zh-CN" altLang="en-US"/>
               <a:t>第五级</a:t>
             </a:r>
-            <a:endParaRPr lang="zh-CN" altLang="en-US"/>
           </a:p>
         </p:txBody>
       </p:sp>
@@ -2001,6 +1981,7 @@
           <a:p>
             <a:fld id="{D997B5FA-0921-464F-AAE1-844C04324D75}" type="datetimeFigureOut">
               <a:rPr lang="zh-CN" altLang="en-US" smtClean="0"/>
+              <a:t>2022/6/7</a:t>
             </a:fld>
             <a:endParaRPr lang="zh-CN" altLang="en-US"/>
           </a:p>
@@ -2042,6 +2023,7 @@
           <a:p>
             <a:fld id="{565CE74E-AB26-4998-AD42-012C4C1AD076}" type="slidenum">
               <a:rPr lang="zh-CN" altLang="en-US" smtClean="0"/>
+              <a:t>‹#›</a:t>
             </a:fld>
             <a:endParaRPr lang="zh-CN" altLang="en-US"/>
           </a:p>
@@ -2091,7 +2073,6 @@
               <a:rPr lang="zh-CN" altLang="en-US"/>
               <a:t>单击此处编辑母版标题样式</a:t>
             </a:r>
-            <a:endParaRPr lang="zh-CN" altLang="en-US"/>
           </a:p>
         </p:txBody>
       </p:sp>
@@ -2112,6 +2093,7 @@
           <a:p>
             <a:fld id="{D997B5FA-0921-464F-AAE1-844C04324D75}" type="datetimeFigureOut">
               <a:rPr lang="zh-CN" altLang="en-US" smtClean="0"/>
+              <a:t>2022/6/7</a:t>
             </a:fld>
             <a:endParaRPr lang="zh-CN" altLang="en-US"/>
           </a:p>
@@ -2153,6 +2135,7 @@
           <a:p>
             <a:fld id="{565CE74E-AB26-4998-AD42-012C4C1AD076}" type="slidenum">
               <a:rPr lang="zh-CN" altLang="en-US" smtClean="0"/>
+              <a:t>‹#›</a:t>
             </a:fld>
             <a:endParaRPr lang="zh-CN" altLang="en-US"/>
           </a:p>
@@ -2200,6 +2183,7 @@
           <a:p>
             <a:fld id="{D997B5FA-0921-464F-AAE1-844C04324D75}" type="datetimeFigureOut">
               <a:rPr lang="zh-CN" altLang="en-US" smtClean="0"/>
+              <a:t>2022/6/7</a:t>
             </a:fld>
             <a:endParaRPr lang="zh-CN" altLang="en-US"/>
           </a:p>
@@ -2241,6 +2225,7 @@
           <a:p>
             <a:fld id="{565CE74E-AB26-4998-AD42-012C4C1AD076}" type="slidenum">
               <a:rPr lang="zh-CN" altLang="en-US" smtClean="0"/>
+              <a:t>‹#›</a:t>
             </a:fld>
             <a:endParaRPr lang="zh-CN" altLang="en-US"/>
           </a:p>
@@ -2299,7 +2284,6 @@
               <a:rPr lang="zh-CN" altLang="en-US"/>
               <a:t>单击此处编辑母版标题样式</a:t>
             </a:r>
-            <a:endParaRPr lang="zh-CN" altLang="en-US"/>
           </a:p>
         </p:txBody>
       </p:sp>
@@ -2356,7 +2340,6 @@
               <a:rPr lang="zh-CN" altLang="en-US"/>
               <a:t>单击此处编辑母版文本样式</a:t>
             </a:r>
-            <a:endParaRPr lang="zh-CN" altLang="en-US"/>
           </a:p>
           <a:p>
             <a:pPr lvl="1"/>
@@ -2364,7 +2347,6 @@
               <a:rPr lang="zh-CN" altLang="en-US"/>
               <a:t>第二级</a:t>
             </a:r>
-            <a:endParaRPr lang="zh-CN" altLang="en-US"/>
           </a:p>
           <a:p>
             <a:pPr lvl="2"/>
@@ -2372,7 +2354,6 @@
               <a:rPr lang="zh-CN" altLang="en-US"/>
               <a:t>第三级</a:t>
             </a:r>
-            <a:endParaRPr lang="zh-CN" altLang="en-US"/>
           </a:p>
           <a:p>
             <a:pPr lvl="3"/>
@@ -2380,7 +2361,6 @@
               <a:rPr lang="zh-CN" altLang="en-US"/>
               <a:t>第四级</a:t>
             </a:r>
-            <a:endParaRPr lang="zh-CN" altLang="en-US"/>
           </a:p>
           <a:p>
             <a:pPr lvl="4"/>
@@ -2388,7 +2368,6 @@
               <a:rPr lang="zh-CN" altLang="en-US"/>
               <a:t>第五级</a:t>
             </a:r>
-            <a:endParaRPr lang="zh-CN" altLang="en-US"/>
           </a:p>
         </p:txBody>
       </p:sp>
@@ -2454,7 +2433,6 @@
               <a:rPr lang="zh-CN" altLang="en-US"/>
               <a:t>单击此处编辑母版文本样式</a:t>
             </a:r>
-            <a:endParaRPr lang="zh-CN" altLang="en-US"/>
           </a:p>
         </p:txBody>
       </p:sp>
@@ -2475,6 +2453,7 @@
           <a:p>
             <a:fld id="{D997B5FA-0921-464F-AAE1-844C04324D75}" type="datetimeFigureOut">
               <a:rPr lang="zh-CN" altLang="en-US" smtClean="0"/>
+              <a:t>2022/6/7</a:t>
             </a:fld>
             <a:endParaRPr lang="zh-CN" altLang="en-US"/>
           </a:p>
@@ -2516,6 +2495,7 @@
           <a:p>
             <a:fld id="{565CE74E-AB26-4998-AD42-012C4C1AD076}" type="slidenum">
               <a:rPr lang="zh-CN" altLang="en-US" smtClean="0"/>
+              <a:t>‹#›</a:t>
             </a:fld>
             <a:endParaRPr lang="zh-CN" altLang="en-US"/>
           </a:p>
@@ -2574,7 +2554,6 @@
               <a:rPr lang="zh-CN" altLang="en-US"/>
               <a:t>单击此处编辑母版标题样式</a:t>
             </a:r>
-            <a:endParaRPr lang="zh-CN" altLang="en-US"/>
           </a:p>
         </p:txBody>
       </p:sp>
@@ -2701,7 +2680,6 @@
               <a:rPr lang="zh-CN" altLang="en-US"/>
               <a:t>单击此处编辑母版文本样式</a:t>
             </a:r>
-            <a:endParaRPr lang="zh-CN" altLang="en-US"/>
           </a:p>
         </p:txBody>
       </p:sp>
@@ -2722,6 +2700,7 @@
           <a:p>
             <a:fld id="{D997B5FA-0921-464F-AAE1-844C04324D75}" type="datetimeFigureOut">
               <a:rPr lang="zh-CN" altLang="en-US" smtClean="0"/>
+              <a:t>2022/6/7</a:t>
             </a:fld>
             <a:endParaRPr lang="zh-CN" altLang="en-US"/>
           </a:p>
@@ -2763,6 +2742,7 @@
           <a:p>
             <a:fld id="{565CE74E-AB26-4998-AD42-012C4C1AD076}" type="slidenum">
               <a:rPr lang="zh-CN" altLang="en-US" smtClean="0"/>
+              <a:t>‹#›</a:t>
             </a:fld>
             <a:endParaRPr lang="zh-CN" altLang="en-US"/>
           </a:p>
@@ -2827,7 +2807,6 @@
               <a:rPr lang="zh-CN" altLang="en-US"/>
               <a:t>单击此处编辑母版标题样式</a:t>
             </a:r>
-            <a:endParaRPr lang="zh-CN" altLang="en-US"/>
           </a:p>
         </p:txBody>
       </p:sp>
@@ -2861,7 +2840,6 @@
               <a:rPr lang="zh-CN" altLang="en-US"/>
               <a:t>单击此处编辑母版文本样式</a:t>
             </a:r>
-            <a:endParaRPr lang="zh-CN" altLang="en-US"/>
           </a:p>
           <a:p>
             <a:pPr lvl="1"/>
@@ -2869,7 +2847,6 @@
               <a:rPr lang="zh-CN" altLang="en-US"/>
               <a:t>第二级</a:t>
             </a:r>
-            <a:endParaRPr lang="zh-CN" altLang="en-US"/>
           </a:p>
           <a:p>
             <a:pPr lvl="2"/>
@@ -2877,7 +2854,6 @@
               <a:rPr lang="zh-CN" altLang="en-US"/>
               <a:t>第三级</a:t>
             </a:r>
-            <a:endParaRPr lang="zh-CN" altLang="en-US"/>
           </a:p>
           <a:p>
             <a:pPr lvl="3"/>
@@ -2885,7 +2861,6 @@
               <a:rPr lang="zh-CN" altLang="en-US"/>
               <a:t>第四级</a:t>
             </a:r>
-            <a:endParaRPr lang="zh-CN" altLang="en-US"/>
           </a:p>
           <a:p>
             <a:pPr lvl="4"/>
@@ -2893,7 +2868,6 @@
               <a:rPr lang="zh-CN" altLang="en-US"/>
               <a:t>第五级</a:t>
             </a:r>
-            <a:endParaRPr lang="zh-CN" altLang="en-US"/>
           </a:p>
         </p:txBody>
       </p:sp>
@@ -2932,6 +2906,7 @@
           <a:p>
             <a:fld id="{D997B5FA-0921-464F-AAE1-844C04324D75}" type="datetimeFigureOut">
               <a:rPr lang="zh-CN" altLang="en-US" smtClean="0"/>
+              <a:t>2022/6/7</a:t>
             </a:fld>
             <a:endParaRPr lang="zh-CN" altLang="en-US"/>
           </a:p>
@@ -3009,6 +2984,7 @@
           <a:p>
             <a:fld id="{565CE74E-AB26-4998-AD42-012C4C1AD076}" type="slidenum">
               <a:rPr lang="zh-CN" altLang="en-US" smtClean="0"/>
+              <a:t>‹#›</a:t>
             </a:fld>
             <a:endParaRPr lang="zh-CN" altLang="en-US"/>
           </a:p>
@@ -3339,7 +3315,7 @@
           <p:nvPr/>
         </p:nvPicPr>
         <p:blipFill>
-          <a:blip r:embed="rId1"/>
+          <a:blip r:embed="rId2"/>
           <a:stretch>
             <a:fillRect/>
           </a:stretch>
@@ -3493,22 +3469,6 @@
               </a:rPr>
               <a:t>面向企业技术需求的专家对接服务平台</a:t>
             </a:r>
-            <a:endParaRPr kumimoji="0" lang="zh-CN" altLang="en-US" sz="2800" i="0" u="none" strike="noStrike" kern="1200" cap="none" spc="0" normalizeH="0" baseline="0" noProof="0" dirty="0">
-              <a:ln>
-                <a:noFill/>
-              </a:ln>
-              <a:solidFill>
-                <a:schemeClr val="accent1">
-                  <a:lumMod val="75000"/>
-                </a:schemeClr>
-              </a:solidFill>
-              <a:effectLst/>
-              <a:uLnTx/>
-              <a:uFillTx/>
-              <a:latin typeface="经典综艺体简" panose="02010609000101010101" pitchFamily="49" charset="-122"/>
-              <a:ea typeface="经典综艺体简" panose="02010609000101010101" pitchFamily="49" charset="-122"/>
-              <a:cs typeface="经典综艺体简" panose="02010609000101010101" pitchFamily="49" charset="-122"/>
-            </a:endParaRPr>
           </a:p>
         </p:txBody>
       </p:sp>
@@ -3657,7 +3617,7 @@
           <p:nvPr/>
         </p:nvPicPr>
         <p:blipFill>
-          <a:blip r:embed="rId2"/>
+          <a:blip r:embed="rId3"/>
           <a:stretch>
             <a:fillRect/>
           </a:stretch>
@@ -3822,7 +3782,6 @@
               <a:rPr lang="en-US" altLang="zh-CN"/>
               <a:t>4-26</a:t>
             </a:r>
-            <a:endParaRPr lang="en-US" altLang="zh-CN"/>
           </a:p>
         </p:txBody>
       </p:sp>
@@ -3852,7 +3811,92 @@
               <a:rPr lang="zh-CN" altLang="en-US"/>
               <a:t>汇报：徐塨霖</a:t>
             </a:r>
+          </a:p>
+        </p:txBody>
+      </p:sp>
+      <p:sp>
+        <p:nvSpPr>
+          <p:cNvPr id="13" name="矩形 12">
+            <a:extLst>
+              <a:ext uri="{FF2B5EF4-FFF2-40B4-BE49-F238E27FC236}">
+                <a16:creationId xmlns:a16="http://schemas.microsoft.com/office/drawing/2014/main" id="{58791F3F-EE9D-1643-A72B-4FC20676431B}"/>
+              </a:ext>
+            </a:extLst>
+          </p:cNvPr>
+          <p:cNvSpPr/>
+          <p:nvPr/>
+        </p:nvSpPr>
+        <p:spPr>
+          <a:xfrm>
+            <a:off x="3747184" y="4372610"/>
+            <a:ext cx="1707409" cy="589915"/>
+          </a:xfrm>
+          <a:prstGeom prst="rect">
+            <a:avLst/>
+          </a:prstGeom>
+        </p:spPr>
+        <p:style>
+          <a:lnRef idx="2">
+            <a:schemeClr val="accent1">
+              <a:shade val="50000"/>
+            </a:schemeClr>
+          </a:lnRef>
+          <a:fillRef idx="1">
+            <a:schemeClr val="accent1"/>
+          </a:fillRef>
+          <a:effectRef idx="0">
+            <a:schemeClr val="accent1"/>
+          </a:effectRef>
+          <a:fontRef idx="minor">
+            <a:schemeClr val="lt1"/>
+          </a:fontRef>
+        </p:style>
+        <p:txBody>
+          <a:bodyPr rtlCol="0" anchor="ctr"/>
+          <a:lstStyle/>
+          <a:p>
+            <a:pPr algn="ctr"/>
             <a:endParaRPr lang="zh-CN" altLang="en-US"/>
+          </a:p>
+        </p:txBody>
+      </p:sp>
+      <p:sp>
+        <p:nvSpPr>
+          <p:cNvPr id="14" name="文本框 13">
+            <a:extLst>
+              <a:ext uri="{FF2B5EF4-FFF2-40B4-BE49-F238E27FC236}">
+                <a16:creationId xmlns:a16="http://schemas.microsoft.com/office/drawing/2014/main" id="{1836D6B2-6D2A-1F41-A5AA-CA8602664F40}"/>
+              </a:ext>
+            </a:extLst>
+          </p:cNvPr>
+          <p:cNvSpPr txBox="1"/>
+          <p:nvPr/>
+        </p:nvSpPr>
+        <p:spPr>
+          <a:xfrm>
+            <a:off x="3747185" y="4483100"/>
+            <a:ext cx="1856740" cy="369332"/>
+          </a:xfrm>
+          <a:prstGeom prst="rect">
+            <a:avLst/>
+          </a:prstGeom>
+          <a:noFill/>
+        </p:spPr>
+        <p:txBody>
+          <a:bodyPr wrap="square" rtlCol="0">
+            <a:spAutoFit/>
+          </a:bodyPr>
+          <a:lstStyle/>
+          <a:p>
+            <a:r>
+              <a:rPr lang="en-US" altLang="zh-CN" dirty="0"/>
+              <a:t>O2E-TU-2 </a:t>
+            </a:r>
+            <a:r>
+              <a:rPr lang="zh-CN" altLang="en-US" dirty="0"/>
+              <a:t>小组</a:t>
+            </a:r>
+            <a:endParaRPr lang="en-US" altLang="zh-CN" dirty="0"/>
           </a:p>
         </p:txBody>
       </p:sp>
@@ -4277,13 +4321,6 @@
               </a:rPr>
               <a:t> 上周工作</a:t>
             </a:r>
-            <a:endParaRPr kumimoji="1" lang="zh-CN" altLang="en-US" sz="3200" b="1" dirty="0">
-              <a:solidFill>
-                <a:schemeClr val="tx2"/>
-              </a:solidFill>
-              <a:latin typeface="微软雅黑" panose="020B0503020204020204" pitchFamily="34" charset="-122"/>
-              <a:ea typeface="微软雅黑" panose="020B0503020204020204" pitchFamily="34" charset="-122"/>
-            </a:endParaRPr>
           </a:p>
         </p:txBody>
       </p:sp>
@@ -4296,7 +4333,7 @@
           <p:nvPr/>
         </p:nvPicPr>
         <p:blipFill>
-          <a:blip r:embed="rId1"/>
+          <a:blip r:embed="rId2"/>
           <a:stretch>
             <a:fillRect/>
           </a:stretch>
@@ -4356,70 +4393,12 @@
               </a:rPr>
               <a:t>企业专家需求聊天窗口（初步）</a:t>
             </a:r>
-            <a:endParaRPr lang="zh-CN" altLang="en-US" sz="2400" b="1">
-              <a:latin typeface="+mn-ea"/>
-              <a:cs typeface="华光楷体一_CNKI" panose="02000500000000000000" charset="-122"/>
-              <a:sym typeface="+mn-ea"/>
-            </a:endParaRPr>
           </a:p>
         </p:txBody>
       </p:sp>
       <p:pic>
         <p:nvPicPr>
           <p:cNvPr id="4" name="图片 3"/>
-          <p:cNvPicPr>
-            <a:picLocks noChangeAspect="1"/>
-          </p:cNvPicPr>
-          <p:nvPr/>
-        </p:nvPicPr>
-        <p:blipFill>
-          <a:blip r:embed="rId2"/>
-          <a:stretch>
-            <a:fillRect/>
-          </a:stretch>
-        </p:blipFill>
-        <p:spPr>
-          <a:xfrm>
-            <a:off x="2668270" y="2256790"/>
-            <a:ext cx="1731010" cy="3079750"/>
-          </a:xfrm>
-          <a:prstGeom prst="rect">
-            <a:avLst/>
-          </a:prstGeom>
-        </p:spPr>
-      </p:pic>
-      <p:sp>
-        <p:nvSpPr>
-          <p:cNvPr id="5" name="文本框 4"/>
-          <p:cNvSpPr txBox="1"/>
-          <p:nvPr/>
-        </p:nvSpPr>
-        <p:spPr>
-          <a:xfrm>
-            <a:off x="2985135" y="5765165"/>
-            <a:ext cx="1097280" cy="368300"/>
-          </a:xfrm>
-          <a:prstGeom prst="rect">
-            <a:avLst/>
-          </a:prstGeom>
-          <a:noFill/>
-        </p:spPr>
-        <p:txBody>
-          <a:bodyPr wrap="none" rtlCol="0">
-            <a:spAutoFit/>
-          </a:bodyPr>
-          <a:p>
-            <a:r>
-              <a:rPr lang="zh-CN" altLang="en-US"/>
-              <a:t>专家界面</a:t>
-            </a:r>
-            <a:endParaRPr lang="zh-CN" altLang="en-US"/>
-          </a:p>
-        </p:txBody>
-      </p:sp>
-      <p:pic>
-        <p:nvPicPr>
-          <p:cNvPr id="6" name="图片 5"/>
           <p:cNvPicPr>
             <a:picLocks noChangeAspect="1"/>
           </p:cNvPicPr>
@@ -4433,8 +4412,8 @@
         </p:blipFill>
         <p:spPr>
           <a:xfrm>
-            <a:off x="6083935" y="2187575"/>
-            <a:ext cx="1816100" cy="3143885"/>
+            <a:off x="2668270" y="2256790"/>
+            <a:ext cx="1731010" cy="3079750"/>
           </a:xfrm>
           <a:prstGeom prst="rect">
             <a:avLst/>
@@ -4443,13 +4422,13 @@
       </p:pic>
       <p:sp>
         <p:nvSpPr>
-          <p:cNvPr id="7" name="文本框 6"/>
+          <p:cNvPr id="5" name="文本框 4"/>
           <p:cNvSpPr txBox="1"/>
           <p:nvPr/>
         </p:nvSpPr>
         <p:spPr>
           <a:xfrm>
-            <a:off x="6443345" y="5762625"/>
+            <a:off x="2985135" y="5765165"/>
             <a:ext cx="1097280" cy="368300"/>
           </a:xfrm>
           <a:prstGeom prst="rect">
@@ -4461,12 +4440,65 @@
           <a:bodyPr wrap="none" rtlCol="0">
             <a:spAutoFit/>
           </a:bodyPr>
+          <a:lstStyle/>
+          <a:p>
+            <a:r>
+              <a:rPr lang="zh-CN" altLang="en-US"/>
+              <a:t>专家界面</a:t>
+            </a:r>
+          </a:p>
+        </p:txBody>
+      </p:sp>
+      <p:pic>
+        <p:nvPicPr>
+          <p:cNvPr id="6" name="图片 5"/>
+          <p:cNvPicPr>
+            <a:picLocks noChangeAspect="1"/>
+          </p:cNvPicPr>
+          <p:nvPr/>
+        </p:nvPicPr>
+        <p:blipFill>
+          <a:blip r:embed="rId4"/>
+          <a:stretch>
+            <a:fillRect/>
+          </a:stretch>
+        </p:blipFill>
+        <p:spPr>
+          <a:xfrm>
+            <a:off x="6083935" y="2187575"/>
+            <a:ext cx="1816100" cy="3143885"/>
+          </a:xfrm>
+          <a:prstGeom prst="rect">
+            <a:avLst/>
+          </a:prstGeom>
+        </p:spPr>
+      </p:pic>
+      <p:sp>
+        <p:nvSpPr>
+          <p:cNvPr id="7" name="文本框 6"/>
+          <p:cNvSpPr txBox="1"/>
+          <p:nvPr/>
+        </p:nvSpPr>
+        <p:spPr>
+          <a:xfrm>
+            <a:off x="6443345" y="5762625"/>
+            <a:ext cx="1097280" cy="368300"/>
+          </a:xfrm>
+          <a:prstGeom prst="rect">
+            <a:avLst/>
+          </a:prstGeom>
+          <a:noFill/>
+        </p:spPr>
+        <p:txBody>
+          <a:bodyPr wrap="none" rtlCol="0">
+            <a:spAutoFit/>
+          </a:bodyPr>
+          <a:lstStyle/>
           <a:p>
             <a:r>
               <a:rPr lang="zh-CN" altLang="en-US"/>
               <a:t>企业界面</a:t>
             </a:r>
-            <a:endParaRPr lang="zh-CN" altLang="en-US"/>
           </a:p>
         </p:txBody>
       </p:sp>
@@ -4891,13 +4923,6 @@
               </a:rPr>
               <a:t> 上周工作</a:t>
             </a:r>
-            <a:endParaRPr kumimoji="1" lang="zh-CN" altLang="en-US" sz="3200" b="1" dirty="0">
-              <a:solidFill>
-                <a:schemeClr val="tx2"/>
-              </a:solidFill>
-              <a:latin typeface="微软雅黑" panose="020B0503020204020204" pitchFamily="34" charset="-122"/>
-              <a:ea typeface="微软雅黑" panose="020B0503020204020204" pitchFamily="34" charset="-122"/>
-            </a:endParaRPr>
           </a:p>
         </p:txBody>
       </p:sp>
@@ -4910,7 +4935,7 @@
           <p:nvPr/>
         </p:nvPicPr>
         <p:blipFill>
-          <a:blip r:embed="rId1"/>
+          <a:blip r:embed="rId2"/>
           <a:stretch>
             <a:fillRect/>
           </a:stretch>
@@ -4970,11 +4995,6 @@
               </a:rPr>
               <a:t>企业需求管理</a:t>
             </a:r>
-            <a:endParaRPr lang="zh-CN" altLang="en-US" sz="2400" b="1">
-              <a:latin typeface="+mn-ea"/>
-              <a:cs typeface="华光楷体一_CNKI" panose="02000500000000000000" charset="-122"/>
-              <a:sym typeface="+mn-ea"/>
-            </a:endParaRPr>
           </a:p>
         </p:txBody>
       </p:sp>
@@ -4987,7 +5007,7 @@
           <p:nvPr/>
         </p:nvPicPr>
         <p:blipFill>
-          <a:blip r:embed="rId2"/>
+          <a:blip r:embed="rId3"/>
           <a:stretch>
             <a:fillRect/>
           </a:stretch>
@@ -5011,7 +5031,7 @@
           <p:nvPr/>
         </p:nvPicPr>
         <p:blipFill>
-          <a:blip r:embed="rId3"/>
+          <a:blip r:embed="rId4"/>
           <a:stretch>
             <a:fillRect/>
           </a:stretch>
@@ -5035,7 +5055,7 @@
           <p:nvPr/>
         </p:nvPicPr>
         <p:blipFill>
-          <a:blip r:embed="rId4"/>
+          <a:blip r:embed="rId5"/>
           <a:stretch>
             <a:fillRect/>
           </a:stretch>
@@ -5112,11 +5132,6 @@
               </a:rPr>
               <a:t>后续计划</a:t>
             </a:r>
-            <a:endParaRPr lang="zh-CN" altLang="en-US" sz="6000" b="1" dirty="0">
-              <a:latin typeface="微软雅黑" panose="020B0503020204020204" pitchFamily="34" charset="-122"/>
-              <a:ea typeface="微软雅黑" panose="020B0503020204020204" pitchFamily="34" charset="-122"/>
-              <a:cs typeface="Yuppy SC" panose="020F0603040207020204" pitchFamily="34" charset="-122"/>
-            </a:endParaRPr>
           </a:p>
         </p:txBody>
       </p:sp>
@@ -5129,7 +5144,7 @@
           <p:nvPr/>
         </p:nvPicPr>
         <p:blipFill>
-          <a:blip r:embed="rId1"/>
+          <a:blip r:embed="rId2"/>
           <a:stretch>
             <a:fillRect/>
           </a:stretch>
@@ -5985,7 +6000,7 @@
           <p:nvPr/>
         </p:nvPicPr>
         <p:blipFill>
-          <a:blip r:embed="rId2"/>
+          <a:blip r:embed="rId3"/>
           <a:stretch>
             <a:fillRect/>
           </a:stretch>
@@ -6168,20 +6183,6 @@
                 </a:rPr>
                 <a:t>管理端</a:t>
               </a:r>
-              <a:endParaRPr kumimoji="0" lang="zh-CN" altLang="en-US" sz="3200" b="1" i="0" u="none" strike="noStrike" kern="0" cap="none" spc="0" normalizeH="0" baseline="0" noProof="0" dirty="0">
-                <a:ln>
-                  <a:noFill/>
-                </a:ln>
-                <a:solidFill>
-                  <a:prstClr val="white"/>
-                </a:solidFill>
-                <a:effectLst/>
-                <a:uLnTx/>
-                <a:uFillTx/>
-                <a:latin typeface="Verdana" panose="020B0604030504040204"/>
-                <a:ea typeface="微软雅黑" panose="020B0503020204020204" pitchFamily="34" charset="-122"/>
-                <a:cs typeface="+mn-cs"/>
-              </a:endParaRPr>
             </a:p>
           </p:txBody>
         </p:sp>
@@ -6428,13 +6429,6 @@
               </a:rPr>
               <a:t> 后续计划</a:t>
             </a:r>
-            <a:endParaRPr kumimoji="1" lang="zh-CN" altLang="en-US" sz="3200" b="1" dirty="0">
-              <a:solidFill>
-                <a:schemeClr val="tx2"/>
-              </a:solidFill>
-              <a:latin typeface="微软雅黑" panose="020B0503020204020204" pitchFamily="34" charset="-122"/>
-              <a:ea typeface="微软雅黑" panose="020B0503020204020204" pitchFamily="34" charset="-122"/>
-            </a:endParaRPr>
           </a:p>
         </p:txBody>
       </p:sp>
@@ -6447,7 +6441,7 @@
           <p:nvPr/>
         </p:nvPicPr>
         <p:blipFill>
-          <a:blip r:embed="rId1"/>
+          <a:blip r:embed="rId2"/>
           <a:stretch>
             <a:fillRect/>
           </a:stretch>
@@ -6737,20 +6731,6 @@
                 </a:rPr>
                 <a:t>需求、聊天与订单</a:t>
               </a:r>
-              <a:endParaRPr kumimoji="0" lang="zh-CN" altLang="en-US" sz="3200" b="1" i="0" u="none" strike="noStrike" kern="0" cap="none" spc="0" normalizeH="0" baseline="0" noProof="0" dirty="0">
-                <a:ln>
-                  <a:noFill/>
-                </a:ln>
-                <a:solidFill>
-                  <a:prstClr val="white"/>
-                </a:solidFill>
-                <a:effectLst/>
-                <a:uLnTx/>
-                <a:uFillTx/>
-                <a:latin typeface="Verdana" panose="020B0604030504040204"/>
-                <a:ea typeface="微软雅黑" panose="020B0503020204020204" pitchFamily="34" charset="-122"/>
-                <a:cs typeface="+mn-cs"/>
-              </a:endParaRPr>
             </a:p>
           </p:txBody>
         </p:sp>
@@ -6997,13 +6977,6 @@
               </a:rPr>
               <a:t> 后续计划</a:t>
             </a:r>
-            <a:endParaRPr kumimoji="1" lang="zh-CN" altLang="en-US" sz="3200" b="1" dirty="0">
-              <a:solidFill>
-                <a:schemeClr val="tx2"/>
-              </a:solidFill>
-              <a:latin typeface="微软雅黑" panose="020B0503020204020204" pitchFamily="34" charset="-122"/>
-              <a:ea typeface="微软雅黑" panose="020B0503020204020204" pitchFamily="34" charset="-122"/>
-            </a:endParaRPr>
           </a:p>
         </p:txBody>
       </p:sp>
@@ -7016,7 +6989,7 @@
           <p:nvPr/>
         </p:nvPicPr>
         <p:blipFill>
-          <a:blip r:embed="rId1"/>
+          <a:blip r:embed="rId3"/>
           <a:stretch>
             <a:fillRect/>
           </a:stretch>
@@ -7460,7 +7433,7 @@
           <p:nvPr/>
         </p:nvPicPr>
         <p:blipFill>
-          <a:blip r:embed="rId1"/>
+          <a:blip r:embed="rId2"/>
           <a:stretch>
             <a:fillRect/>
           </a:stretch>
@@ -7484,7 +7457,7 @@
           <p:nvPr/>
         </p:nvPicPr>
         <p:blipFill>
-          <a:blip r:embed="rId2"/>
+          <a:blip r:embed="rId3"/>
           <a:stretch>
             <a:fillRect/>
           </a:stretch>
@@ -7920,7 +7893,7 @@
           <p:nvPr/>
         </p:nvPicPr>
         <p:blipFill>
-          <a:blip r:embed="rId1"/>
+          <a:blip r:embed="rId2"/>
           <a:stretch>
             <a:fillRect/>
           </a:stretch>
@@ -7944,7 +7917,7 @@
           <p:nvPr/>
         </p:nvPicPr>
         <p:blipFill>
-          <a:blip r:embed="rId2"/>
+          <a:blip r:embed="rId3"/>
           <a:stretch>
             <a:fillRect/>
           </a:stretch>
@@ -8413,11 +8386,6 @@
               </a:rPr>
               <a:t>目录</a:t>
             </a:r>
-            <a:endParaRPr lang="zh-CN" altLang="en-US" sz="4400" b="1" dirty="0">
-              <a:latin typeface="微软雅黑" panose="020B0503020204020204" pitchFamily="34" charset="-122"/>
-              <a:ea typeface="微软雅黑" panose="020B0503020204020204" pitchFamily="34" charset="-122"/>
-              <a:cs typeface="Yuppy SC" panose="020F0603040207020204" pitchFamily="34" charset="-122"/>
-            </a:endParaRPr>
           </a:p>
         </p:txBody>
       </p:sp>
@@ -9201,20 +9169,6 @@
               </a:rPr>
               <a:t>后续计划</a:t>
             </a:r>
-            <a:endParaRPr kumimoji="0" lang="zh-CN" altLang="en-US" sz="2800" b="1" i="0" u="none" strike="noStrike" kern="1200" cap="none" spc="0" normalizeH="0" baseline="0" noProof="0" dirty="0">
-              <a:ln>
-                <a:noFill/>
-              </a:ln>
-              <a:solidFill>
-                <a:prstClr val="white"/>
-              </a:solidFill>
-              <a:effectLst/>
-              <a:uLnTx/>
-              <a:uFillTx/>
-              <a:latin typeface="微软雅黑" panose="020B0503020204020204" pitchFamily="34" charset="-122"/>
-              <a:ea typeface="微软雅黑" panose="020B0503020204020204" pitchFamily="34" charset="-122"/>
-              <a:cs typeface="Aharoni" panose="02010803020104030203" pitchFamily="2" charset="-79"/>
-            </a:endParaRPr>
           </a:p>
         </p:txBody>
       </p:sp>
@@ -9231,7 +9185,7 @@
           </p:nvPr>
         </p:nvPicPr>
         <p:blipFill>
-          <a:blip r:embed="rId2"/>
+          <a:blip r:embed="rId3"/>
           <a:stretch>
             <a:fillRect/>
           </a:stretch>
@@ -9308,11 +9262,6 @@
               </a:rPr>
               <a:t>上周工作</a:t>
             </a:r>
-            <a:endParaRPr lang="zh-CN" altLang="en-US" sz="6000" b="1" dirty="0">
-              <a:latin typeface="微软雅黑" panose="020B0503020204020204" pitchFamily="34" charset="-122"/>
-              <a:ea typeface="微软雅黑" panose="020B0503020204020204" pitchFamily="34" charset="-122"/>
-              <a:cs typeface="Yuppy SC" panose="020F0603040207020204" pitchFamily="34" charset="-122"/>
-            </a:endParaRPr>
           </a:p>
         </p:txBody>
       </p:sp>
@@ -9325,7 +9274,7 @@
           <p:nvPr/>
         </p:nvPicPr>
         <p:blipFill>
-          <a:blip r:embed="rId1"/>
+          <a:blip r:embed="rId2"/>
           <a:stretch>
             <a:fillRect/>
           </a:stretch>
@@ -10181,7 +10130,7 @@
           <p:nvPr/>
         </p:nvPicPr>
         <p:blipFill>
-          <a:blip r:embed="rId2"/>
+          <a:blip r:embed="rId3"/>
           <a:stretch>
             <a:fillRect/>
           </a:stretch>
@@ -10624,13 +10573,6 @@
               </a:rPr>
               <a:t> 上周工作</a:t>
             </a:r>
-            <a:endParaRPr kumimoji="1" lang="zh-CN" altLang="en-US" sz="3200" b="1" dirty="0">
-              <a:solidFill>
-                <a:schemeClr val="tx2"/>
-              </a:solidFill>
-              <a:latin typeface="微软雅黑" panose="020B0503020204020204" pitchFamily="34" charset="-122"/>
-              <a:ea typeface="微软雅黑" panose="020B0503020204020204" pitchFamily="34" charset="-122"/>
-            </a:endParaRPr>
           </a:p>
         </p:txBody>
       </p:sp>
@@ -10643,7 +10585,7 @@
           <p:nvPr/>
         </p:nvPicPr>
         <p:blipFill>
-          <a:blip r:embed="rId1"/>
+          <a:blip r:embed="rId2"/>
           <a:stretch>
             <a:fillRect/>
           </a:stretch>
@@ -10749,7 +10691,7 @@
           <p:nvPr/>
         </p:nvPicPr>
         <p:blipFill>
-          <a:blip r:embed="rId2"/>
+          <a:blip r:embed="rId3"/>
           <a:stretch>
             <a:fillRect/>
           </a:stretch>
@@ -10773,7 +10715,7 @@
           <p:nvPr/>
         </p:nvPicPr>
         <p:blipFill>
-          <a:blip r:embed="rId3"/>
+          <a:blip r:embed="rId4"/>
           <a:stretch>
             <a:fillRect/>
           </a:stretch>
@@ -11092,20 +11034,6 @@
                 </a:rPr>
                 <a:t>专家认证与修改</a:t>
               </a:r>
-              <a:endParaRPr kumimoji="0" lang="zh-CN" altLang="en-US" sz="3200" b="1" i="0" u="none" strike="noStrike" kern="0" cap="none" spc="0" normalizeH="0" baseline="0" noProof="0" dirty="0">
-                <a:ln>
-                  <a:noFill/>
-                </a:ln>
-                <a:solidFill>
-                  <a:prstClr val="white"/>
-                </a:solidFill>
-                <a:effectLst/>
-                <a:uLnTx/>
-                <a:uFillTx/>
-                <a:latin typeface="Verdana" panose="020B0604030504040204"/>
-                <a:ea typeface="微软雅黑" panose="020B0503020204020204" pitchFamily="34" charset="-122"/>
-                <a:cs typeface="+mn-cs"/>
-              </a:endParaRPr>
             </a:p>
           </p:txBody>
         </p:sp>
@@ -11352,13 +11280,6 @@
               </a:rPr>
               <a:t> 上周工作</a:t>
             </a:r>
-            <a:endParaRPr kumimoji="1" lang="zh-CN" altLang="en-US" sz="3200" b="1" dirty="0">
-              <a:solidFill>
-                <a:schemeClr val="tx2"/>
-              </a:solidFill>
-              <a:latin typeface="微软雅黑" panose="020B0503020204020204" pitchFamily="34" charset="-122"/>
-              <a:ea typeface="微软雅黑" panose="020B0503020204020204" pitchFamily="34" charset="-122"/>
-            </a:endParaRPr>
           </a:p>
         </p:txBody>
       </p:sp>
@@ -11428,7 +11349,7 @@
           <p:nvPr/>
         </p:nvPicPr>
         <p:blipFill>
-          <a:blip r:embed="rId1"/>
+          <a:blip r:embed="rId2"/>
           <a:stretch>
             <a:fillRect/>
           </a:stretch>
@@ -11642,7 +11563,7 @@
           <p:nvPr/>
         </p:nvPicPr>
         <p:blipFill>
-          <a:blip r:embed="rId2"/>
+          <a:blip r:embed="rId3"/>
           <a:stretch>
             <a:fillRect/>
           </a:stretch>
@@ -11666,7 +11587,7 @@
           <p:nvPr/>
         </p:nvPicPr>
         <p:blipFill>
-          <a:blip r:embed="rId3"/>
+          <a:blip r:embed="rId4"/>
           <a:stretch>
             <a:fillRect/>
           </a:stretch>
@@ -11690,7 +11611,7 @@
           <p:nvPr/>
         </p:nvPicPr>
         <p:blipFill>
-          <a:blip r:embed="rId4"/>
+          <a:blip r:embed="rId5"/>
           <a:stretch>
             <a:fillRect/>
           </a:stretch>
@@ -12062,20 +11983,6 @@
                 </a:rPr>
                 <a:t>企业认证与修改</a:t>
               </a:r>
-              <a:endParaRPr kumimoji="0" lang="zh-CN" altLang="en-US" sz="3200" b="1" i="0" u="none" strike="noStrike" kern="0" cap="none" spc="0" normalizeH="0" baseline="0" noProof="0" dirty="0">
-                <a:ln>
-                  <a:noFill/>
-                </a:ln>
-                <a:solidFill>
-                  <a:prstClr val="white"/>
-                </a:solidFill>
-                <a:effectLst/>
-                <a:uLnTx/>
-                <a:uFillTx/>
-                <a:latin typeface="Verdana" panose="020B0604030504040204"/>
-                <a:ea typeface="微软雅黑" panose="020B0503020204020204" pitchFamily="34" charset="-122"/>
-                <a:cs typeface="+mn-cs"/>
-              </a:endParaRPr>
             </a:p>
           </p:txBody>
         </p:sp>
@@ -12322,13 +12229,6 @@
               </a:rPr>
               <a:t> 上周工作</a:t>
             </a:r>
-            <a:endParaRPr kumimoji="1" lang="zh-CN" altLang="en-US" sz="3200" b="1" dirty="0">
-              <a:solidFill>
-                <a:schemeClr val="tx2"/>
-              </a:solidFill>
-              <a:latin typeface="微软雅黑" panose="020B0503020204020204" pitchFamily="34" charset="-122"/>
-              <a:ea typeface="微软雅黑" panose="020B0503020204020204" pitchFamily="34" charset="-122"/>
-            </a:endParaRPr>
           </a:p>
         </p:txBody>
       </p:sp>
@@ -12398,7 +12298,7 @@
           <p:nvPr/>
         </p:nvPicPr>
         <p:blipFill>
-          <a:blip r:embed="rId1"/>
+          <a:blip r:embed="rId2"/>
           <a:stretch>
             <a:fillRect/>
           </a:stretch>
@@ -12422,7 +12322,7 @@
           <p:nvPr/>
         </p:nvPicPr>
         <p:blipFill>
-          <a:blip r:embed="rId2"/>
+          <a:blip r:embed="rId3"/>
           <a:stretch>
             <a:fillRect/>
           </a:stretch>
@@ -12519,7 +12419,7 @@
           <p:nvPr/>
         </p:nvPicPr>
         <p:blipFill>
-          <a:blip r:embed="rId3"/>
+          <a:blip r:embed="rId4"/>
           <a:stretch>
             <a:fillRect/>
           </a:stretch>
@@ -12702,20 +12602,6 @@
                 </a:rPr>
                 <a:t>企业认证与修改</a:t>
               </a:r>
-              <a:endParaRPr kumimoji="0" lang="zh-CN" altLang="en-US" sz="3200" b="1" i="0" u="none" strike="noStrike" kern="0" cap="none" spc="0" normalizeH="0" baseline="0" noProof="0" dirty="0">
-                <a:ln>
-                  <a:noFill/>
-                </a:ln>
-                <a:solidFill>
-                  <a:prstClr val="white"/>
-                </a:solidFill>
-                <a:effectLst/>
-                <a:uLnTx/>
-                <a:uFillTx/>
-                <a:latin typeface="Verdana" panose="020B0604030504040204"/>
-                <a:ea typeface="微软雅黑" panose="020B0503020204020204" pitchFamily="34" charset="-122"/>
-                <a:cs typeface="+mn-cs"/>
-              </a:endParaRPr>
             </a:p>
           </p:txBody>
         </p:sp>
@@ -12962,13 +12848,6 @@
               </a:rPr>
               <a:t> 上周工作</a:t>
             </a:r>
-            <a:endParaRPr kumimoji="1" lang="zh-CN" altLang="en-US" sz="3200" b="1" dirty="0">
-              <a:solidFill>
-                <a:schemeClr val="tx2"/>
-              </a:solidFill>
-              <a:latin typeface="微软雅黑" panose="020B0503020204020204" pitchFamily="34" charset="-122"/>
-              <a:ea typeface="微软雅黑" panose="020B0503020204020204" pitchFamily="34" charset="-122"/>
-            </a:endParaRPr>
           </a:p>
         </p:txBody>
       </p:sp>
@@ -13038,7 +12917,7 @@
           <p:nvPr/>
         </p:nvPicPr>
         <p:blipFill>
-          <a:blip r:embed="rId1"/>
+          <a:blip r:embed="rId2"/>
           <a:stretch>
             <a:fillRect/>
           </a:stretch>
@@ -13062,7 +12941,7 @@
           <p:nvPr/>
         </p:nvPicPr>
         <p:blipFill>
-          <a:blip r:embed="rId2"/>
+          <a:blip r:embed="rId3"/>
           <a:stretch>
             <a:fillRect/>
           </a:stretch>
@@ -13086,7 +12965,7 @@
           <p:nvPr/>
         </p:nvPicPr>
         <p:blipFill>
-          <a:blip r:embed="rId3"/>
+          <a:blip r:embed="rId4"/>
           <a:stretch>
             <a:fillRect/>
           </a:stretch>
@@ -13398,13 +13277,6 @@
                 </a:rPr>
                 <a:t>需求</a:t>
               </a:r>
-              <a:endParaRPr lang="zh-CN" altLang="en-US" sz="3200" b="1" kern="0" dirty="0">
-                <a:solidFill>
-                  <a:prstClr val="white"/>
-                </a:solidFill>
-                <a:latin typeface="Verdana" panose="020B0604030504040204"/>
-                <a:ea typeface="微软雅黑" panose="020B0503020204020204" pitchFamily="34" charset="-122"/>
-              </a:endParaRPr>
             </a:p>
           </p:txBody>
         </p:sp>
@@ -13651,13 +13523,6 @@
               </a:rPr>
               <a:t> 上周工作</a:t>
             </a:r>
-            <a:endParaRPr kumimoji="1" lang="zh-CN" altLang="en-US" sz="3200" b="1" dirty="0">
-              <a:solidFill>
-                <a:schemeClr val="tx2"/>
-              </a:solidFill>
-              <a:latin typeface="微软雅黑" panose="020B0503020204020204" pitchFamily="34" charset="-122"/>
-              <a:ea typeface="微软雅黑" panose="020B0503020204020204" pitchFamily="34" charset="-122"/>
-            </a:endParaRPr>
           </a:p>
         </p:txBody>
       </p:sp>
@@ -13670,7 +13535,7 @@
           <p:nvPr/>
         </p:nvPicPr>
         <p:blipFill>
-          <a:blip r:embed="rId1"/>
+          <a:blip r:embed="rId2"/>
           <a:stretch>
             <a:fillRect/>
           </a:stretch>
@@ -13730,11 +13595,6 @@
               </a:rPr>
               <a:t>需求平台展示</a:t>
             </a:r>
-            <a:endParaRPr lang="zh-CN" altLang="en-US" sz="2400" b="1">
-              <a:latin typeface="+mn-ea"/>
-              <a:cs typeface="华光楷体一_CNKI" panose="02000500000000000000" charset="-122"/>
-              <a:sym typeface="+mn-ea"/>
-            </a:endParaRPr>
           </a:p>
         </p:txBody>
       </p:sp>
@@ -13818,7 +13678,7 @@
           <p:nvPr/>
         </p:nvPicPr>
         <p:blipFill>
-          <a:blip r:embed="rId2"/>
+          <a:blip r:embed="rId3"/>
           <a:stretch>
             <a:fillRect/>
           </a:stretch>
@@ -13842,7 +13702,7 @@
           <p:nvPr/>
         </p:nvPicPr>
         <p:blipFill>
-          <a:blip r:embed="rId3"/>
+          <a:blip r:embed="rId4"/>
           <a:stretch>
             <a:fillRect/>
           </a:stretch>
@@ -13877,6 +13737,7 @@
           <a:bodyPr wrap="square" rtlCol="0" anchor="t">
             <a:spAutoFit/>
           </a:bodyPr>
+          <a:lstStyle/>
           <a:p>
             <a:pPr marL="342900" indent="-342900">
               <a:lnSpc>
@@ -14565,13 +14426,6 @@
               </a:rPr>
               <a:t> 上周工作</a:t>
             </a:r>
-            <a:endParaRPr kumimoji="1" lang="zh-CN" altLang="en-US" sz="3200" b="1" dirty="0">
-              <a:solidFill>
-                <a:schemeClr val="tx2"/>
-              </a:solidFill>
-              <a:latin typeface="微软雅黑" panose="020B0503020204020204" pitchFamily="34" charset="-122"/>
-              <a:ea typeface="微软雅黑" panose="020B0503020204020204" pitchFamily="34" charset="-122"/>
-            </a:endParaRPr>
           </a:p>
         </p:txBody>
       </p:sp>
@@ -14584,7 +14438,7 @@
           <p:nvPr/>
         </p:nvPicPr>
         <p:blipFill>
-          <a:blip r:embed="rId1"/>
+          <a:blip r:embed="rId2"/>
           <a:stretch>
             <a:fillRect/>
           </a:stretch>
@@ -14644,11 +14498,6 @@
               </a:rPr>
               <a:t>需求详情展示</a:t>
             </a:r>
-            <a:endParaRPr lang="zh-CN" altLang="en-US" sz="2400" b="1">
-              <a:latin typeface="+mn-ea"/>
-              <a:cs typeface="华光楷体一_CNKI" panose="02000500000000000000" charset="-122"/>
-              <a:sym typeface="+mn-ea"/>
-            </a:endParaRPr>
           </a:p>
         </p:txBody>
       </p:sp>
@@ -14672,6 +14521,7 @@
           <a:bodyPr wrap="square">
             <a:spAutoFit/>
           </a:bodyPr>
+          <a:lstStyle/>
           <a:p>
             <a:pPr>
               <a:lnSpc>
@@ -14700,11 +14550,6 @@
               </a:rPr>
               <a:t>在发现页面中点击相应需求卡片即可查看改需求详情</a:t>
             </a:r>
-            <a:endParaRPr lang="zh-CN" altLang="en-US" b="1">
-              <a:latin typeface="华文楷体" panose="02010600040101010101" charset="-122"/>
-              <a:ea typeface="华文楷体" panose="02010600040101010101" charset="-122"/>
-              <a:cs typeface="华文楷体" panose="02010600040101010101" charset="-122"/>
-            </a:endParaRPr>
           </a:p>
           <a:p>
             <a:pPr marL="342900" indent="-342900">
@@ -14731,7 +14576,7 @@
           <p:nvPr/>
         </p:nvPicPr>
         <p:blipFill>
-          <a:blip r:embed="rId2"/>
+          <a:blip r:embed="rId3"/>
           <a:stretch>
             <a:fillRect/>
           </a:stretch>
@@ -14766,6 +14611,7 @@
           <a:bodyPr wrap="square" rtlCol="0" anchor="t">
             <a:spAutoFit/>
           </a:bodyPr>
+          <a:lstStyle/>
           <a:p>
             <a:pPr marL="342900" indent="-342900">
               <a:lnSpc>
@@ -15006,7 +14852,7 @@
 </file>
 
 <file path=ppt/tags/tag1.xml><?xml version="1.0" encoding="utf-8"?>
-<p:tagLst xmlns:p="http://schemas.openxmlformats.org/presentationml/2006/main">
+<p:tagLst xmlns:a="http://schemas.openxmlformats.org/drawingml/2006/main" xmlns:r="http://schemas.openxmlformats.org/officeDocument/2006/relationships" xmlns:p="http://schemas.openxmlformats.org/presentationml/2006/main">
   <p:tag name="KSO_WM_UNIT_PLACING_PICTURE_USER_VIEWPORT" val="{&quot;height&quot;:960,&quot;width&quot;:3900}"/>
 </p:tagLst>
 </file>
@@ -15262,6 +15108,8 @@
       </a:bgFillStyleLst>
     </a:fmtScheme>
   </a:themeElements>
+  <a:objectDefaults/>
+  <a:extraClrSchemeLst/>
   <a:extLst>
     <a:ext uri="{05A4C25C-085E-4340-85A3-A5531E510DB2}">
       <thm15:themeFamily xmlns:thm15="http://schemas.microsoft.com/office/thememl/2012/main" name="Office Theme" id="{62F939B6-93AF-4DB8-9C6B-D6C7DFDC589F}" vid="{4A3C46E8-61CC-4603-A589-7422A47A8E4A}"/>
@@ -15521,6 +15369,8 @@
       </a:bgFillStyleLst>
     </a:fmtScheme>
   </a:themeElements>
+  <a:objectDefaults/>
+  <a:extraClrSchemeLst/>
   <a:extLst>
     <a:ext uri="{05A4C25C-085E-4340-85A3-A5531E510DB2}">
       <thm15:themeFamily xmlns:thm15="http://schemas.microsoft.com/office/thememl/2012/main" name="Office Theme" id="{62F939B6-93AF-4DB8-9C6B-D6C7DFDC589F}" vid="{4A3C46E8-61CC-4603-A589-7422A47A8E4A}"/>
